--- a/ReactJS/lesson_23/Presentation/module_bundlers.pptx
+++ b/ReactJS/lesson_23/Presentation/module_bundlers.pptx
@@ -619,7 +619,7 @@
     </p:spTree>
     <p:extLst>
       <p:ext uri="{BB962C8B-B14F-4D97-AF65-F5344CB8AC3E}">
-        <p14:creationId xmlns="" xmlns:p14="http://schemas.microsoft.com/office/powerpoint/2010/main" val="3537187278"/>
+        <p14:creationId xmlns:p14="http://schemas.microsoft.com/office/powerpoint/2010/main" xmlns="" val="3537187278"/>
       </p:ext>
     </p:extLst>
   </p:cSld>
@@ -665,7 +665,7 @@
           <a:blip r:embed="rId2" cstate="print">
             <a:extLst>
               <a:ext uri="{28A0092B-C50C-407E-A947-70E740481C1C}">
-                <a14:useLocalDpi xmlns="" xmlns:a14="http://schemas.microsoft.com/office/drawing/2010/main" val="0"/>
+                <a14:useLocalDpi xmlns:a14="http://schemas.microsoft.com/office/drawing/2010/main" xmlns="" val="0"/>
               </a:ext>
             </a:extLst>
           </a:blip>
@@ -689,14 +689,14 @@
           <a:effectLst/>
           <a:extLst>
             <a:ext uri="{909E8E84-426E-40DD-AFC4-6F175D3DCCD1}">
-              <a14:hiddenFill xmlns="" xmlns:a14="http://schemas.microsoft.com/office/drawing/2010/main">
+              <a14:hiddenFill xmlns:a14="http://schemas.microsoft.com/office/drawing/2010/main" xmlns="">
                 <a:solidFill>
                   <a:schemeClr val="accent1"/>
                 </a:solidFill>
               </a14:hiddenFill>
             </a:ext>
             <a:ext uri="{91240B29-F687-4F45-9708-019B960494DF}">
-              <a14:hiddenLine xmlns="" xmlns:a14="http://schemas.microsoft.com/office/drawing/2010/main" w="9525">
+              <a14:hiddenLine xmlns:a14="http://schemas.microsoft.com/office/drawing/2010/main" xmlns="" w="9525">
                 <a:solidFill>
                   <a:schemeClr val="tx1"/>
                 </a:solidFill>
@@ -706,7 +706,7 @@
               </a14:hiddenLine>
             </a:ext>
             <a:ext uri="{AF507438-7753-43E0-B8FC-AC1667EBCBE1}">
-              <a14:hiddenEffects xmlns="" xmlns:a14="http://schemas.microsoft.com/office/drawing/2010/main">
+              <a14:hiddenEffects xmlns:a14="http://schemas.microsoft.com/office/drawing/2010/main" xmlns="">
                 <a:effectLst>
                   <a:outerShdw dist="35921" dir="2700000" algn="ctr" rotWithShape="0">
                     <a:schemeClr val="bg2"/>
@@ -847,7 +847,7 @@
     </p:spTree>
     <p:extLst>
       <p:ext uri="{BB962C8B-B14F-4D97-AF65-F5344CB8AC3E}">
-        <p14:creationId xmlns="" xmlns:p14="http://schemas.microsoft.com/office/powerpoint/2010/main" val="2097366919"/>
+        <p14:creationId xmlns:p14="http://schemas.microsoft.com/office/powerpoint/2010/main" xmlns="" val="2097366919"/>
       </p:ext>
     </p:extLst>
   </p:cSld>
@@ -1369,7 +1369,7 @@
     </p:spTree>
     <p:extLst>
       <p:ext uri="{BB962C8B-B14F-4D97-AF65-F5344CB8AC3E}">
-        <p14:creationId xmlns="" xmlns:p14="http://schemas.microsoft.com/office/powerpoint/2010/main" val="3537187278"/>
+        <p14:creationId xmlns:p14="http://schemas.microsoft.com/office/powerpoint/2010/main" xmlns="" val="3537187278"/>
       </p:ext>
     </p:extLst>
   </p:cSld>
@@ -1437,7 +1437,7 @@
     </p:spTree>
     <p:extLst>
       <p:ext uri="{BB962C8B-B14F-4D97-AF65-F5344CB8AC3E}">
-        <p14:creationId xmlns="" xmlns:p14="http://schemas.microsoft.com/office/powerpoint/2010/main" val="779007194"/>
+        <p14:creationId xmlns:p14="http://schemas.microsoft.com/office/powerpoint/2010/main" xmlns="" val="779007194"/>
       </p:ext>
     </p:extLst>
   </p:cSld>
@@ -1801,18 +1801,7 @@
                 <a:ea typeface="Roboto Thin" panose="02000000000000000000" pitchFamily="2" charset="0"/>
                 <a:cs typeface="Roboto Thin" panose="02000000000000000000" pitchFamily="2" charset="0"/>
               </a:rPr>
-              <a:t>React </a:t>
-            </a:r>
-            <a:r>
-              <a:rPr lang="en-US" sz="2700" dirty="0" smtClean="0">
-                <a:solidFill>
-                  <a:schemeClr val="bg1"/>
-                </a:solidFill>
-                <a:latin typeface="Roboto Thin" panose="02000000000000000000" pitchFamily="2" charset="0"/>
-                <a:ea typeface="Roboto Thin" panose="02000000000000000000" pitchFamily="2" charset="0"/>
-                <a:cs typeface="Roboto Thin" panose="02000000000000000000" pitchFamily="2" charset="0"/>
-              </a:rPr>
-              <a:t>JS</a:t>
+              <a:t>React JS</a:t>
             </a:r>
             <a:endParaRPr lang="en-US" dirty="0">
               <a:solidFill>
@@ -2031,7 +2020,7 @@
           <a:blip r:embed="rId2" cstate="print">
             <a:extLst>
               <a:ext uri="{28A0092B-C50C-407E-A947-70E740481C1C}">
-                <a14:useLocalDpi xmlns="" xmlns:a14="http://schemas.microsoft.com/office/drawing/2010/main" val="0"/>
+                <a14:useLocalDpi xmlns:a14="http://schemas.microsoft.com/office/drawing/2010/main" xmlns="" val="0"/>
               </a:ext>
             </a:extLst>
           </a:blip>
@@ -2051,7 +2040,7 @@
           <a:noFill/>
           <a:extLst>
             <a:ext uri="{909E8E84-426E-40DD-AFC4-6F175D3DCCD1}">
-              <a14:hiddenFill xmlns="" xmlns:a14="http://schemas.microsoft.com/office/drawing/2010/main">
+              <a14:hiddenFill xmlns:a14="http://schemas.microsoft.com/office/drawing/2010/main" xmlns="">
                 <a:solidFill>
                   <a:srgbClr val="FFFFFF"/>
                 </a:solidFill>
@@ -2137,7 +2126,7 @@
     </p:spTree>
     <p:extLst>
       <p:ext uri="{BB962C8B-B14F-4D97-AF65-F5344CB8AC3E}">
-        <p14:creationId xmlns="" xmlns:p14="http://schemas.microsoft.com/office/powerpoint/2010/main" val="3436223543"/>
+        <p14:creationId xmlns:p14="http://schemas.microsoft.com/office/powerpoint/2010/main" xmlns="" val="3436223543"/>
       </p:ext>
     </p:extLst>
   </p:cSld>
@@ -3353,8 +3342,8 @@
         </p:nvSpPr>
         <p:spPr>
           <a:xfrm>
-            <a:off x="611560" y="1988840"/>
-            <a:ext cx="7272808" cy="3754874"/>
+            <a:off x="899592" y="2276872"/>
+            <a:ext cx="7272808" cy="3416320"/>
           </a:xfrm>
           <a:prstGeom prst="rect">
             <a:avLst/>
@@ -3368,128 +3357,128 @@
           <a:lstStyle/>
           <a:p>
             <a:r>
-              <a:rPr lang="ru-RU" sz="2000" dirty="0" err="1">
+              <a:rPr lang="ru-RU" dirty="0" err="1">
                 <a:latin typeface="Calibri" pitchFamily="34" charset="0"/>
               </a:rPr>
               <a:t>Browserify</a:t>
             </a:r>
             <a:r>
-              <a:rPr lang="ru-RU" sz="2000" dirty="0">
+              <a:rPr lang="ru-RU" dirty="0">
                 <a:latin typeface="Calibri" pitchFamily="34" charset="0"/>
               </a:rPr>
               <a:t> стремится провести экосистему </a:t>
             </a:r>
             <a:r>
-              <a:rPr lang="ru-RU" sz="2000" dirty="0" err="1">
+              <a:rPr lang="ru-RU" dirty="0" err="1">
                 <a:latin typeface="Calibri" pitchFamily="34" charset="0"/>
               </a:rPr>
               <a:t>Node</a:t>
             </a:r>
             <a:r>
-              <a:rPr lang="ru-RU" sz="2000" dirty="0">
+              <a:rPr lang="ru-RU" dirty="0">
                 <a:latin typeface="Calibri" pitchFamily="34" charset="0"/>
               </a:rPr>
               <a:t> в браузер. Он поддерживает только синтаксис </a:t>
             </a:r>
             <a:r>
-              <a:rPr lang="ru-RU" sz="2000" dirty="0" err="1">
+              <a:rPr lang="ru-RU" dirty="0" err="1">
                 <a:latin typeface="Calibri" pitchFamily="34" charset="0"/>
               </a:rPr>
               <a:t>CommonJS</a:t>
             </a:r>
             <a:r>
-              <a:rPr lang="ru-RU" sz="2000" dirty="0">
+              <a:rPr lang="ru-RU" dirty="0">
                 <a:latin typeface="Calibri" pitchFamily="34" charset="0"/>
               </a:rPr>
               <a:t> </a:t>
             </a:r>
             <a:r>
-              <a:rPr lang="ru-RU" sz="2000" dirty="0" err="1">
+              <a:rPr lang="ru-RU" dirty="0" err="1">
                 <a:latin typeface="Calibri" pitchFamily="34" charset="0"/>
               </a:rPr>
               <a:t>require</a:t>
             </a:r>
             <a:r>
-              <a:rPr lang="ru-RU" sz="2000" dirty="0">
+              <a:rPr lang="ru-RU" dirty="0">
                 <a:latin typeface="Calibri" pitchFamily="34" charset="0"/>
               </a:rPr>
               <a:t> и предоставляет </a:t>
             </a:r>
             <a:r>
-              <a:rPr lang="ru-RU" sz="2000" dirty="0" err="1">
+              <a:rPr lang="ru-RU" dirty="0" err="1">
                 <a:latin typeface="Calibri" pitchFamily="34" charset="0"/>
               </a:rPr>
               <a:t>браузерные</a:t>
             </a:r>
             <a:r>
-              <a:rPr lang="ru-RU" sz="2000" dirty="0">
+              <a:rPr lang="ru-RU" dirty="0">
                 <a:latin typeface="Calibri" pitchFamily="34" charset="0"/>
               </a:rPr>
               <a:t> </a:t>
             </a:r>
             <a:r>
-              <a:rPr lang="ru-RU" sz="2000" dirty="0" err="1" smtClean="0">
+              <a:rPr lang="ru-RU" dirty="0" err="1" smtClean="0">
                 <a:latin typeface="Calibri" pitchFamily="34" charset="0"/>
               </a:rPr>
               <a:t>шимы</a:t>
             </a:r>
             <a:r>
-              <a:rPr lang="ru-RU" sz="2000" dirty="0" smtClean="0">
+              <a:rPr lang="ru-RU" dirty="0" smtClean="0">
                 <a:latin typeface="Calibri" pitchFamily="34" charset="0"/>
               </a:rPr>
               <a:t> для</a:t>
             </a:r>
             <a:r>
-              <a:rPr lang="ru-RU" sz="2000" dirty="0">
+              <a:rPr lang="ru-RU" dirty="0">
                 <a:latin typeface="Calibri" pitchFamily="34" charset="0"/>
               </a:rPr>
               <a:t> большей части </a:t>
             </a:r>
             <a:r>
-              <a:rPr lang="ru-RU" sz="2000" dirty="0" smtClean="0">
+              <a:rPr lang="ru-RU" dirty="0" smtClean="0">
                 <a:latin typeface="Calibri" pitchFamily="34" charset="0"/>
               </a:rPr>
               <a:t>функциональности</a:t>
             </a:r>
             <a:r>
-              <a:rPr lang="ru-RU" sz="2000" dirty="0">
+              <a:rPr lang="ru-RU" dirty="0">
                 <a:latin typeface="Calibri" pitchFamily="34" charset="0"/>
               </a:rPr>
               <a:t> ядра </a:t>
             </a:r>
             <a:r>
-              <a:rPr lang="ru-RU" sz="2000" dirty="0" err="1">
+              <a:rPr lang="ru-RU" dirty="0" err="1">
                 <a:latin typeface="Calibri" pitchFamily="34" charset="0"/>
               </a:rPr>
               <a:t>Node</a:t>
             </a:r>
             <a:r>
-              <a:rPr lang="ru-RU" sz="2000" dirty="0" smtClean="0">
+              <a:rPr lang="ru-RU" dirty="0" smtClean="0">
                 <a:latin typeface="Calibri" pitchFamily="34" charset="0"/>
               </a:rPr>
               <a:t>. </a:t>
             </a:r>
           </a:p>
           <a:p>
-            <a:endParaRPr lang="ru-RU" sz="2000" dirty="0">
+            <a:endParaRPr lang="ru-RU" dirty="0">
               <a:latin typeface="Calibri" pitchFamily="34" charset="0"/>
             </a:endParaRPr>
           </a:p>
           <a:p>
             <a:r>
-              <a:rPr lang="ru-RU" sz="2000" dirty="0">
+              <a:rPr lang="ru-RU" dirty="0">
                 <a:latin typeface="Calibri" pitchFamily="34" charset="0"/>
               </a:rPr>
               <a:t>Возможности </a:t>
             </a:r>
             <a:r>
-              <a:rPr lang="ru-RU" sz="2000" dirty="0" err="1">
+              <a:rPr lang="ru-RU" dirty="0" err="1">
                 <a:latin typeface="Calibri" pitchFamily="34" charset="0"/>
               </a:rPr>
               <a:t>Browserify</a:t>
             </a:r>
             <a:r>
-              <a:rPr lang="ru-RU" sz="2000" dirty="0">
+              <a:rPr lang="ru-RU" dirty="0">
                 <a:latin typeface="Calibri" pitchFamily="34" charset="0"/>
               </a:rPr>
               <a:t> не ограничиваются конкатенацией кода зависимостей. Он также может трансформировать код.</a:t>
@@ -3497,107 +3486,73 @@
           </a:p>
           <a:p>
             <a:r>
-              <a:rPr lang="ru-RU" sz="2000" dirty="0">
+              <a:rPr lang="ru-RU" dirty="0">
                 <a:latin typeface="Calibri" pitchFamily="34" charset="0"/>
               </a:rPr>
               <a:t>“Трансформировать” может означать многое. Это может быть </a:t>
             </a:r>
             <a:r>
-              <a:rPr lang="ru-RU" sz="2000" dirty="0" smtClean="0">
+              <a:rPr lang="ru-RU" dirty="0" smtClean="0">
                 <a:latin typeface="Calibri" pitchFamily="34" charset="0"/>
               </a:rPr>
               <a:t>компиляция </a:t>
             </a:r>
             <a:r>
-              <a:rPr lang="ru-RU" sz="2000" dirty="0" err="1">
+              <a:rPr lang="ru-RU" dirty="0" err="1">
                 <a:latin typeface="Calibri" pitchFamily="34" charset="0"/>
               </a:rPr>
               <a:t>Coffeescript</a:t>
             </a:r>
             <a:r>
-              <a:rPr lang="ru-RU" sz="2000" dirty="0">
+              <a:rPr lang="ru-RU" dirty="0">
                 <a:latin typeface="Calibri" pitchFamily="34" charset="0"/>
               </a:rPr>
               <a:t> в </a:t>
             </a:r>
             <a:r>
-              <a:rPr lang="ru-RU" sz="2000" dirty="0" err="1">
+              <a:rPr lang="ru-RU" dirty="0" err="1">
                 <a:latin typeface="Calibri" pitchFamily="34" charset="0"/>
               </a:rPr>
               <a:t>Javascript</a:t>
             </a:r>
             <a:r>
-              <a:rPr lang="ru-RU" sz="2000" dirty="0">
+              <a:rPr lang="ru-RU" dirty="0">
                 <a:latin typeface="Calibri" pitchFamily="34" charset="0"/>
               </a:rPr>
               <a:t>, </a:t>
             </a:r>
             <a:r>
-              <a:rPr lang="ru-RU" sz="2000" dirty="0" err="1">
+              <a:rPr lang="ru-RU" dirty="0" err="1">
                 <a:latin typeface="Calibri" pitchFamily="34" charset="0"/>
               </a:rPr>
               <a:t>транспиляция</a:t>
             </a:r>
             <a:r>
-              <a:rPr lang="ru-RU" sz="2000" dirty="0">
+              <a:rPr lang="ru-RU" dirty="0">
                 <a:latin typeface="Calibri" pitchFamily="34" charset="0"/>
               </a:rPr>
               <a:t> ES2015 в ванильный </a:t>
             </a:r>
             <a:r>
-              <a:rPr lang="ru-RU" sz="2000" dirty="0" err="1" smtClean="0">
+              <a:rPr lang="ru-RU" dirty="0" err="1" smtClean="0">
                 <a:latin typeface="Calibri" pitchFamily="34" charset="0"/>
               </a:rPr>
               <a:t>Javascript</a:t>
             </a:r>
             <a:r>
-              <a:rPr lang="ru-RU" sz="2000" dirty="0">
-                <a:latin typeface="Calibri" pitchFamily="34" charset="0"/>
-              </a:rPr>
-              <a:t> или </a:t>
-            </a:r>
-            <a:r>
-              <a:rPr lang="ru-RU" sz="2000" dirty="0" smtClean="0">
-                <a:latin typeface="Calibri" pitchFamily="34" charset="0"/>
-              </a:rPr>
-              <a:t>даже замена </a:t>
-            </a:r>
-            <a:r>
-              <a:rPr lang="ru-RU" sz="2000" dirty="0">
-                <a:latin typeface="Calibri" pitchFamily="34" charset="0"/>
-              </a:rPr>
-              <a:t>объявлений </a:t>
-            </a:r>
-            <a:r>
-              <a:rPr lang="ru-RU" sz="2000" dirty="0" err="1">
-                <a:latin typeface="Calibri" pitchFamily="34" charset="0"/>
-              </a:rPr>
-              <a:t>const</a:t>
-            </a:r>
-            <a:r>
-              <a:rPr lang="ru-RU" sz="2000" dirty="0">
-                <a:latin typeface="Calibri" pitchFamily="34" charset="0"/>
-              </a:rPr>
-              <a:t> на </a:t>
-            </a:r>
-            <a:r>
-              <a:rPr lang="ru-RU" sz="2000" dirty="0" err="1" smtClean="0">
-                <a:latin typeface="Calibri" pitchFamily="34" charset="0"/>
-              </a:rPr>
-              <a:t>var</a:t>
-            </a:r>
-            <a:r>
-              <a:rPr lang="ru-RU" sz="2000" dirty="0" smtClean="0">
+              <a:rPr lang="ru-RU" dirty="0" smtClean="0">
                 <a:latin typeface="Calibri" pitchFamily="34" charset="0"/>
               </a:rPr>
               <a:t>. </a:t>
             </a:r>
-            <a:endParaRPr lang="ru-RU" sz="2000" dirty="0">
+          </a:p>
+          <a:p>
+            <a:endParaRPr lang="ru-RU" dirty="0">
               <a:latin typeface="Calibri" pitchFamily="34" charset="0"/>
             </a:endParaRPr>
           </a:p>
           <a:p>
-            <a:endParaRPr lang="ru-RU" sz="2000" dirty="0">
+            <a:endParaRPr lang="ru-RU" dirty="0">
               <a:latin typeface="Calibri" pitchFamily="34" charset="0"/>
             </a:endParaRPr>
           </a:p>

--- a/ReactJS/lesson_23/Presentation/module_bundlers.pptx
+++ b/ReactJS/lesson_23/Presentation/module_bundlers.pptx
@@ -109,6 +109,22 @@
       </a:defRPr>
     </a:lvl9pPr>
   </p:defaultTextStyle>
+  <p:extLst>
+    <p:ext uri="{EFAFB233-063F-42B5-8137-9DF3F51BA10A}">
+      <p15:sldGuideLst xmlns:p15="http://schemas.microsoft.com/office/powerpoint/2012/main">
+        <p15:guide id="1" orient="horz" pos="2160">
+          <p15:clr>
+            <a:srgbClr val="A4A3A4"/>
+          </p15:clr>
+        </p15:guide>
+        <p15:guide id="2" pos="2880">
+          <p15:clr>
+            <a:srgbClr val="A4A3A4"/>
+          </p15:clr>
+        </p15:guide>
+      </p15:sldGuideLst>
+    </p:ext>
+  </p:extLst>
 </p:presentation>
 </file>
 
@@ -167,10 +183,9 @@
           </a:lstStyle>
           <a:p>
             <a:r>
-              <a:rPr lang="en-US" dirty="0" smtClean="0"/>
+              <a:rPr lang="en-US" dirty="0"/>
               <a:t>title style</a:t>
             </a:r>
-            <a:endParaRPr lang="en-US" dirty="0"/>
           </a:p>
         </p:txBody>
       </p:sp>
@@ -290,7 +305,7 @@
           </a:lstStyle>
           <a:p>
             <a:r>
-              <a:rPr lang="ru-RU" smtClean="0"/>
+              <a:rPr lang="ru-RU"/>
               <a:t>Образец подзаголовка</a:t>
             </a:r>
             <a:endParaRPr lang="en-US" dirty="0"/>
@@ -619,20 +634,13 @@
     </p:spTree>
     <p:extLst>
       <p:ext uri="{BB962C8B-B14F-4D97-AF65-F5344CB8AC3E}">
-        <p14:creationId xmlns:p14="http://schemas.microsoft.com/office/powerpoint/2010/main" xmlns="" val="3537187278"/>
+        <p14:creationId xmlns:p14="http://schemas.microsoft.com/office/powerpoint/2010/main" val="3537187278"/>
       </p:ext>
     </p:extLst>
   </p:cSld>
   <p:clrMapOvr>
     <a:overrideClrMapping bg1="lt1" tx1="dk1" bg2="lt2" tx2="dk2" accent1="accent1" accent2="accent2" accent3="accent3" accent4="accent4" accent5="accent5" accent6="accent6" hlink="hlink" folHlink="folHlink"/>
   </p:clrMapOvr>
-  <p:timing>
-    <p:tnLst>
-      <p:par>
-        <p:cTn id="1" dur="indefinite" restart="never" nodeType="tmRoot"/>
-      </p:par>
-    </p:tnLst>
-  </p:timing>
 </p:sldLayout>
 </file>
 
@@ -665,7 +673,7 @@
           <a:blip r:embed="rId2" cstate="print">
             <a:extLst>
               <a:ext uri="{28A0092B-C50C-407E-A947-70E740481C1C}">
-                <a14:useLocalDpi xmlns:a14="http://schemas.microsoft.com/office/drawing/2010/main" xmlns="" val="0"/>
+                <a14:useLocalDpi xmlns:a14="http://schemas.microsoft.com/office/drawing/2010/main" val="0"/>
               </a:ext>
             </a:extLst>
           </a:blip>
@@ -689,14 +697,14 @@
           <a:effectLst/>
           <a:extLst>
             <a:ext uri="{909E8E84-426E-40DD-AFC4-6F175D3DCCD1}">
-              <a14:hiddenFill xmlns:a14="http://schemas.microsoft.com/office/drawing/2010/main" xmlns="">
+              <a14:hiddenFill xmlns:a14="http://schemas.microsoft.com/office/drawing/2010/main">
                 <a:solidFill>
                   <a:schemeClr val="accent1"/>
                 </a:solidFill>
               </a14:hiddenFill>
             </a:ext>
             <a:ext uri="{91240B29-F687-4F45-9708-019B960494DF}">
-              <a14:hiddenLine xmlns:a14="http://schemas.microsoft.com/office/drawing/2010/main" xmlns="" w="9525">
+              <a14:hiddenLine xmlns:a14="http://schemas.microsoft.com/office/drawing/2010/main" w="9525">
                 <a:solidFill>
                   <a:schemeClr val="tx1"/>
                 </a:solidFill>
@@ -706,7 +714,7 @@
               </a14:hiddenLine>
             </a:ext>
             <a:ext uri="{AF507438-7753-43E0-B8FC-AC1667EBCBE1}">
-              <a14:hiddenEffects xmlns:a14="http://schemas.microsoft.com/office/drawing/2010/main" xmlns="">
+              <a14:hiddenEffects xmlns:a14="http://schemas.microsoft.com/office/drawing/2010/main">
                 <a:effectLst>
                   <a:outerShdw dist="35921" dir="2700000" algn="ctr" rotWithShape="0">
                     <a:schemeClr val="bg2"/>
@@ -801,7 +809,7 @@
           </a:lstStyle>
           <a:p>
             <a:r>
-              <a:rPr lang="ru-RU" smtClean="0"/>
+              <a:rPr lang="ru-RU"/>
               <a:t>Образец заголовка</a:t>
             </a:r>
             <a:endParaRPr lang="en-US" dirty="0"/>
@@ -838,7 +846,7 @@
           <a:p>
             <a:pPr lvl="4"/>
             <a:r>
-              <a:rPr lang="en-US" dirty="0" smtClean="0"/>
+              <a:rPr lang="en-US" dirty="0"/>
               <a:t>Subtitle</a:t>
             </a:r>
           </a:p>
@@ -847,20 +855,13 @@
     </p:spTree>
     <p:extLst>
       <p:ext uri="{BB962C8B-B14F-4D97-AF65-F5344CB8AC3E}">
-        <p14:creationId xmlns:p14="http://schemas.microsoft.com/office/powerpoint/2010/main" xmlns="" val="2097366919"/>
+        <p14:creationId xmlns:p14="http://schemas.microsoft.com/office/powerpoint/2010/main" val="2097366919"/>
       </p:ext>
     </p:extLst>
   </p:cSld>
   <p:clrMapOvr>
     <a:masterClrMapping/>
   </p:clrMapOvr>
-  <p:timing>
-    <p:tnLst>
-      <p:par>
-        <p:cTn id="1" dur="indefinite" restart="never" nodeType="tmRoot"/>
-      </p:par>
-    </p:tnLst>
-  </p:timing>
 </p:sldLayout>
 </file>
 
@@ -1369,7 +1370,7 @@
     </p:spTree>
     <p:extLst>
       <p:ext uri="{BB962C8B-B14F-4D97-AF65-F5344CB8AC3E}">
-        <p14:creationId xmlns:p14="http://schemas.microsoft.com/office/powerpoint/2010/main" xmlns="" val="3537187278"/>
+        <p14:creationId xmlns:p14="http://schemas.microsoft.com/office/powerpoint/2010/main" val="3537187278"/>
       </p:ext>
     </p:extLst>
   </p:cSld>
@@ -1427,7 +1428,7 @@
           <a:lstStyle/>
           <a:p>
             <a:r>
-              <a:rPr lang="ru-RU" smtClean="0"/>
+              <a:rPr lang="ru-RU"/>
               <a:t>Образец заголовка</a:t>
             </a:r>
             <a:endParaRPr lang="en-US"/>
@@ -1437,7 +1438,7 @@
     </p:spTree>
     <p:extLst>
       <p:ext uri="{BB962C8B-B14F-4D97-AF65-F5344CB8AC3E}">
-        <p14:creationId xmlns:p14="http://schemas.microsoft.com/office/powerpoint/2010/main" xmlns="" val="779007194"/>
+        <p14:creationId xmlns:p14="http://schemas.microsoft.com/office/powerpoint/2010/main" val="779007194"/>
       </p:ext>
     </p:extLst>
   </p:cSld>
@@ -1447,13 +1448,6 @@
     <p:sldLayoutId id="2147483664" r:id="rId2"/>
     <p:sldLayoutId id="2147483665" r:id="rId3"/>
   </p:sldLayoutIdLst>
-  <p:timing>
-    <p:tnLst>
-      <p:par>
-        <p:cTn id="1" dur="indefinite" restart="never" nodeType="tmRoot"/>
-      </p:par>
-    </p:tnLst>
-  </p:timing>
   <p:txStyles>
     <p:titleStyle>
       <a:lvl1pPr algn="ctr" defTabSz="914400" rtl="0" eaLnBrk="1" latinLnBrk="0" hangingPunct="1">
@@ -1793,7 +1787,7 @@
           <a:lstStyle/>
           <a:p>
             <a:r>
-              <a:rPr lang="en-US" sz="2700" dirty="0" smtClean="0">
+              <a:rPr lang="en-US" sz="2700" dirty="0">
                 <a:solidFill>
                   <a:schemeClr val="bg1"/>
                 </a:solidFill>
@@ -1816,214 +1810,96 @@
       </p:sp>
       <p:sp>
         <p:nvSpPr>
-          <p:cNvPr id="6" name="Subtitle 2"/>
-          <p:cNvSpPr txBox="1">
-            <a:spLocks/>
-          </p:cNvSpPr>
+          <p:cNvPr id="5" name="TextBox 4"/>
+          <p:cNvSpPr txBox="1"/>
           <p:nvPr/>
         </p:nvSpPr>
         <p:spPr>
           <a:xfrm>
-            <a:off x="806449" y="1281006"/>
-            <a:ext cx="6322695" cy="507831"/>
+            <a:off x="976312" y="4217802"/>
+            <a:ext cx="7340103" cy="769441"/>
           </a:xfrm>
           <a:prstGeom prst="rect">
             <a:avLst/>
           </a:prstGeom>
-        </p:spPr>
-        <p:txBody>
-          <a:bodyPr wrap="square">
+          <a:noFill/>
+        </p:spPr>
+        <p:txBody>
+          <a:bodyPr wrap="square" rtlCol="0">
             <a:spAutoFit/>
           </a:bodyPr>
-          <a:lstStyle>
-            <a:lvl1pPr marL="0" indent="0" algn="l" defTabSz="914400" rtl="0" eaLnBrk="1" latinLnBrk="0" hangingPunct="1">
-              <a:spcBef>
-                <a:spcPct val="20000"/>
-              </a:spcBef>
-              <a:buFont typeface="Arial" pitchFamily="34" charset="0"/>
-              <a:buNone/>
-              <a:defRPr sz="3200" kern="1200">
+          <a:lstStyle/>
+          <a:p>
+            <a:r>
+              <a:rPr lang="en-US" sz="4400" dirty="0" err="1">
                 <a:solidFill>
-                  <a:schemeClr val="tx1">
-                    <a:tint val="75000"/>
-                  </a:schemeClr>
+                  <a:srgbClr val="7564BC"/>
                 </a:solidFill>
-                <a:latin typeface="+mj-lt"/>
-                <a:ea typeface="+mn-ea"/>
-                <a:cs typeface="+mn-cs"/>
-              </a:defRPr>
-            </a:lvl1pPr>
-            <a:lvl2pPr marL="457200" indent="0" algn="ctr" defTabSz="914400" rtl="0" eaLnBrk="1" latinLnBrk="0" hangingPunct="1">
-              <a:spcBef>
-                <a:spcPct val="20000"/>
-              </a:spcBef>
-              <a:buFont typeface="Arial" pitchFamily="34" charset="0"/>
-              <a:buNone/>
-              <a:defRPr sz="2800" kern="1200">
+                <a:latin typeface="Calibri Light" panose="020F0302020204030204" pitchFamily="34" charset="0"/>
+              </a:rPr>
+              <a:t>Webpack</a:t>
+            </a:r>
+            <a:r>
+              <a:rPr lang="en-US" sz="4400" dirty="0">
                 <a:solidFill>
-                  <a:schemeClr val="tx1">
-                    <a:tint val="75000"/>
-                  </a:schemeClr>
+                  <a:srgbClr val="7564BC"/>
                 </a:solidFill>
-                <a:latin typeface="+mn-lt"/>
-                <a:ea typeface="+mn-ea"/>
-                <a:cs typeface="+mn-cs"/>
-              </a:defRPr>
-            </a:lvl2pPr>
-            <a:lvl3pPr marL="914400" indent="0" algn="ctr" defTabSz="914400" rtl="0" eaLnBrk="1" latinLnBrk="0" hangingPunct="1">
-              <a:spcBef>
-                <a:spcPct val="20000"/>
-              </a:spcBef>
-              <a:buFont typeface="Arial" pitchFamily="34" charset="0"/>
-              <a:buNone/>
-              <a:defRPr sz="2400" kern="1200">
+                <a:latin typeface="Calibri Light" panose="020F0302020204030204" pitchFamily="34" charset="0"/>
+              </a:rPr>
+              <a:t>, </a:t>
+            </a:r>
+            <a:r>
+              <a:rPr lang="en-US" sz="4400" dirty="0" err="1">
                 <a:solidFill>
-                  <a:schemeClr val="tx1">
-                    <a:tint val="75000"/>
-                  </a:schemeClr>
+                  <a:srgbClr val="7564BC"/>
                 </a:solidFill>
-                <a:latin typeface="+mn-lt"/>
-                <a:ea typeface="+mn-ea"/>
-                <a:cs typeface="+mn-cs"/>
-              </a:defRPr>
-            </a:lvl3pPr>
-            <a:lvl4pPr marL="1371600" indent="0" algn="ctr" defTabSz="914400" rtl="0" eaLnBrk="1" latinLnBrk="0" hangingPunct="1">
-              <a:spcBef>
-                <a:spcPct val="20000"/>
-              </a:spcBef>
-              <a:buFont typeface="Arial" pitchFamily="34" charset="0"/>
-              <a:buNone/>
-              <a:defRPr sz="2000" kern="1200">
+                <a:latin typeface="Calibri Light" panose="020F0302020204030204" pitchFamily="34" charset="0"/>
+              </a:rPr>
+              <a:t>Browserify</a:t>
+            </a:r>
+            <a:r>
+              <a:rPr lang="en-US" sz="4400" dirty="0">
                 <a:solidFill>
-                  <a:schemeClr val="tx1">
-                    <a:tint val="75000"/>
-                  </a:schemeClr>
+                  <a:srgbClr val="7564BC"/>
                 </a:solidFill>
-                <a:latin typeface="+mn-lt"/>
-                <a:ea typeface="+mn-ea"/>
-                <a:cs typeface="+mn-cs"/>
-              </a:defRPr>
-            </a:lvl4pPr>
-            <a:lvl5pPr marL="1828800" indent="0" algn="ctr" defTabSz="914400" rtl="0" eaLnBrk="1" latinLnBrk="0" hangingPunct="1">
-              <a:spcBef>
-                <a:spcPct val="20000"/>
-              </a:spcBef>
-              <a:buFont typeface="Arial" pitchFamily="34" charset="0"/>
-              <a:buNone/>
-              <a:defRPr sz="2000" kern="1200">
+                <a:latin typeface="Calibri Light" panose="020F0302020204030204" pitchFamily="34" charset="0"/>
+              </a:rPr>
+              <a:t>, </a:t>
+            </a:r>
+            <a:r>
+              <a:rPr lang="en-US" sz="4400" dirty="0" err="1">
                 <a:solidFill>
-                  <a:schemeClr val="tx1">
-                    <a:tint val="75000"/>
-                  </a:schemeClr>
+                  <a:srgbClr val="7564BC"/>
                 </a:solidFill>
-                <a:latin typeface="+mn-lt"/>
-                <a:ea typeface="+mn-ea"/>
-                <a:cs typeface="+mn-cs"/>
-              </a:defRPr>
-            </a:lvl5pPr>
-            <a:lvl6pPr marL="2286000" indent="0" algn="ctr" defTabSz="914400" rtl="0" eaLnBrk="1" latinLnBrk="0" hangingPunct="1">
-              <a:spcBef>
-                <a:spcPct val="20000"/>
-              </a:spcBef>
-              <a:buFont typeface="Arial" pitchFamily="34" charset="0"/>
-              <a:buNone/>
-              <a:defRPr sz="2000" kern="1200">
+                <a:latin typeface="Calibri Light" panose="020F0302020204030204" pitchFamily="34" charset="0"/>
+              </a:rPr>
+              <a:t>npm</a:t>
+            </a:r>
+            <a:r>
+              <a:rPr lang="en-US" sz="4400" dirty="0">
                 <a:solidFill>
-                  <a:schemeClr val="tx1">
-                    <a:tint val="75000"/>
-                  </a:schemeClr>
+                  <a:srgbClr val="7564BC"/>
                 </a:solidFill>
-                <a:latin typeface="+mn-lt"/>
-                <a:ea typeface="+mn-ea"/>
-                <a:cs typeface="+mn-cs"/>
-              </a:defRPr>
-            </a:lvl6pPr>
-            <a:lvl7pPr marL="2743200" indent="0" algn="ctr" defTabSz="914400" rtl="0" eaLnBrk="1" latinLnBrk="0" hangingPunct="1">
-              <a:spcBef>
-                <a:spcPct val="20000"/>
-              </a:spcBef>
-              <a:buFont typeface="Arial" pitchFamily="34" charset="0"/>
-              <a:buNone/>
-              <a:defRPr sz="2000" kern="1200">
-                <a:solidFill>
-                  <a:schemeClr val="tx1">
-                    <a:tint val="75000"/>
-                  </a:schemeClr>
-                </a:solidFill>
-                <a:latin typeface="+mn-lt"/>
-                <a:ea typeface="+mn-ea"/>
-                <a:cs typeface="+mn-cs"/>
-              </a:defRPr>
-            </a:lvl7pPr>
-            <a:lvl8pPr marL="3200400" indent="0" algn="ctr" defTabSz="914400" rtl="0" eaLnBrk="1" latinLnBrk="0" hangingPunct="1">
-              <a:spcBef>
-                <a:spcPct val="20000"/>
-              </a:spcBef>
-              <a:buFont typeface="Arial" pitchFamily="34" charset="0"/>
-              <a:buNone/>
-              <a:defRPr sz="2000" kern="1200">
-                <a:solidFill>
-                  <a:schemeClr val="tx1">
-                    <a:tint val="75000"/>
-                  </a:schemeClr>
-                </a:solidFill>
-                <a:latin typeface="+mn-lt"/>
-                <a:ea typeface="+mn-ea"/>
-                <a:cs typeface="+mn-cs"/>
-              </a:defRPr>
-            </a:lvl8pPr>
-            <a:lvl9pPr marL="3657600" indent="0" algn="ctr" defTabSz="914400" rtl="0" eaLnBrk="1" latinLnBrk="0" hangingPunct="1">
-              <a:spcBef>
-                <a:spcPct val="20000"/>
-              </a:spcBef>
-              <a:buFont typeface="Arial" pitchFamily="34" charset="0"/>
-              <a:buNone/>
-              <a:defRPr sz="2000" kern="1200">
-                <a:solidFill>
-                  <a:schemeClr val="tx1">
-                    <a:tint val="75000"/>
-                  </a:schemeClr>
-                </a:solidFill>
-                <a:latin typeface="+mn-lt"/>
-                <a:ea typeface="+mn-ea"/>
-                <a:cs typeface="+mn-cs"/>
-              </a:defRPr>
-            </a:lvl9pPr>
-          </a:lstStyle>
-          <a:p>
-            <a:r>
-              <a:rPr lang="en-US" sz="2700" dirty="0">
-                <a:solidFill>
-                  <a:schemeClr val="tx1">
-                    <a:lumMod val="90000"/>
-                    <a:lumOff val="10000"/>
-                  </a:schemeClr>
-                </a:solidFill>
-                <a:latin typeface="Roboto Light" panose="02000000000000000000" pitchFamily="2" charset="0"/>
-                <a:ea typeface="Roboto Light" panose="02000000000000000000" pitchFamily="2" charset="0"/>
-                <a:cs typeface="Roboto Light" panose="02000000000000000000" pitchFamily="2" charset="0"/>
-              </a:rPr>
-              <a:t>The JavaScript Programming Language</a:t>
-            </a:r>
+                <a:latin typeface="Calibri Light" panose="020F0302020204030204" pitchFamily="34" charset="0"/>
+              </a:rPr>
+              <a:t> </a:t>
+            </a:r>
+            <a:endParaRPr lang="en-US" dirty="0">
+              <a:latin typeface="Calibri Light" panose="020F0302020204030204" pitchFamily="34" charset="0"/>
+            </a:endParaRPr>
           </a:p>
         </p:txBody>
       </p:sp>
       <p:pic>
         <p:nvPicPr>
-          <p:cNvPr id="1028" name="Picture 4" descr="C:\Users\Darick\Desktop\Mmww2.png"/>
+          <p:cNvPr id="8" name="Picture 7" descr="http://moduscreate.com/wp-content/uploads/2014/03/react-opti.png"/>
           <p:cNvPicPr>
             <a:picLocks noChangeAspect="1" noChangeArrowheads="1"/>
           </p:cNvPicPr>
           <p:nvPr/>
         </p:nvPicPr>
         <p:blipFill>
-          <a:blip r:embed="rId2" cstate="print">
-            <a:extLst>
-              <a:ext uri="{28A0092B-C50C-407E-A947-70E740481C1C}">
-                <a14:useLocalDpi xmlns:a14="http://schemas.microsoft.com/office/drawing/2010/main" xmlns="" val="0"/>
-              </a:ext>
-            </a:extLst>
-          </a:blip>
+          <a:blip r:embed="rId2" cstate="print"/>
           <a:srcRect/>
           <a:stretch>
             <a:fillRect/>
@@ -2031,102 +1907,19 @@
         </p:blipFill>
         <p:spPr bwMode="auto">
           <a:xfrm>
-            <a:off x="1" y="698501"/>
-            <a:ext cx="809625" cy="1079500"/>
+            <a:off x="976312" y="1556792"/>
+            <a:ext cx="3613398" cy="1005729"/>
           </a:xfrm>
           <a:prstGeom prst="rect">
             <a:avLst/>
           </a:prstGeom>
           <a:noFill/>
-          <a:extLst>
-            <a:ext uri="{909E8E84-426E-40DD-AFC4-6F175D3DCCD1}">
-              <a14:hiddenFill xmlns:a14="http://schemas.microsoft.com/office/drawing/2010/main" xmlns="">
-                <a:solidFill>
-                  <a:srgbClr val="FFFFFF"/>
-                </a:solidFill>
-              </a14:hiddenFill>
-            </a:ext>
-          </a:extLst>
         </p:spPr>
       </p:pic>
-      <p:sp>
-        <p:nvSpPr>
-          <p:cNvPr id="5" name="TextBox 4"/>
-          <p:cNvSpPr txBox="1"/>
-          <p:nvPr/>
-        </p:nvSpPr>
-        <p:spPr>
-          <a:xfrm>
-            <a:off x="976312" y="4217802"/>
-            <a:ext cx="7340103" cy="769441"/>
-          </a:xfrm>
-          <a:prstGeom prst="rect">
-            <a:avLst/>
-          </a:prstGeom>
-          <a:noFill/>
-        </p:spPr>
-        <p:txBody>
-          <a:bodyPr wrap="square" rtlCol="0">
-            <a:spAutoFit/>
-          </a:bodyPr>
-          <a:lstStyle/>
-          <a:p>
-            <a:r>
-              <a:rPr lang="en-US" sz="4400" dirty="0" err="1" smtClean="0">
-                <a:solidFill>
-                  <a:srgbClr val="7564BC"/>
-                </a:solidFill>
-              </a:rPr>
-              <a:t>Webpack</a:t>
-            </a:r>
-            <a:r>
-              <a:rPr lang="en-US" sz="4400" dirty="0" smtClean="0">
-                <a:solidFill>
-                  <a:srgbClr val="7564BC"/>
-                </a:solidFill>
-              </a:rPr>
-              <a:t>, </a:t>
-            </a:r>
-            <a:r>
-              <a:rPr lang="en-US" sz="4400" dirty="0" err="1" smtClean="0">
-                <a:solidFill>
-                  <a:srgbClr val="7564BC"/>
-                </a:solidFill>
-              </a:rPr>
-              <a:t>Browserify</a:t>
-            </a:r>
-            <a:r>
-              <a:rPr lang="en-US" sz="4400" dirty="0" smtClean="0">
-                <a:solidFill>
-                  <a:srgbClr val="7564BC"/>
-                </a:solidFill>
-              </a:rPr>
-              <a:t>, </a:t>
-            </a:r>
-            <a:r>
-              <a:rPr lang="en-US" sz="4400" dirty="0" err="1" smtClean="0">
-                <a:solidFill>
-                  <a:srgbClr val="7564BC"/>
-                </a:solidFill>
-              </a:rPr>
-              <a:t>npm</a:t>
-            </a:r>
-            <a:r>
-              <a:rPr lang="en-US" sz="4400" dirty="0" smtClean="0">
-                <a:solidFill>
-                  <a:srgbClr val="7564BC"/>
-                </a:solidFill>
-              </a:rPr>
-              <a:t> </a:t>
-            </a:r>
-            <a:endParaRPr lang="en-US" dirty="0"/>
-          </a:p>
-        </p:txBody>
-      </p:sp>
     </p:spTree>
     <p:extLst>
       <p:ext uri="{BB962C8B-B14F-4D97-AF65-F5344CB8AC3E}">
-        <p14:creationId xmlns:p14="http://schemas.microsoft.com/office/powerpoint/2010/main" xmlns="" val="3436223543"/>
+        <p14:creationId xmlns:p14="http://schemas.microsoft.com/office/powerpoint/2010/main" val="3436223543"/>
       </p:ext>
     </p:extLst>
   </p:cSld>
@@ -2169,7 +1962,7 @@
           <a:lstStyle/>
           <a:p>
             <a:r>
-              <a:rPr lang="en-US" dirty="0" err="1" smtClean="0"/>
+              <a:rPr lang="en-US" dirty="0" err="1"/>
               <a:t>npm</a:t>
             </a:r>
             <a:endParaRPr lang="uk-UA" dirty="0"/>
@@ -2225,13 +2018,13 @@
           <a:lstStyle/>
           <a:p>
             <a:r>
-              <a:rPr lang="en-US" b="1" dirty="0" err="1" smtClean="0">
+              <a:rPr lang="en-US" b="1" dirty="0" err="1">
                 <a:latin typeface="Calibri" pitchFamily="34" charset="0"/>
               </a:rPr>
               <a:t>npm</a:t>
             </a:r>
             <a:r>
-              <a:rPr lang="en-US" dirty="0" smtClean="0">
+              <a:rPr lang="en-US" dirty="0">
                 <a:latin typeface="Calibri" pitchFamily="34" charset="0"/>
               </a:rPr>
               <a:t>(Node Package Manager) - </a:t>
@@ -2316,46 +2109,40 @@
               <a:rPr lang="ru-RU" dirty="0">
                 <a:latin typeface="Calibri" pitchFamily="34" charset="0"/>
               </a:rPr>
-              <a:t>в котором это все и будет описано. </a:t>
-            </a:r>
-            <a:r>
-              <a:rPr lang="ru-RU" dirty="0" smtClean="0">
-                <a:latin typeface="Calibri" pitchFamily="34" charset="0"/>
-              </a:rPr>
-              <a:t>Он создается с помощью команды </a:t>
-            </a:r>
-            <a:r>
-              <a:rPr lang="en-US" b="1" dirty="0" err="1" smtClean="0">
+              <a:t>в котором это все и будет описано. Он создается с помощью команды </a:t>
+            </a:r>
+            <a:r>
+              <a:rPr lang="en-US" b="1" dirty="0" err="1">
                 <a:latin typeface="Calibri" pitchFamily="34" charset="0"/>
               </a:rPr>
               <a:t>npm</a:t>
             </a:r>
             <a:r>
-              <a:rPr lang="en-US" b="1" dirty="0" smtClean="0">
+              <a:rPr lang="en-US" b="1" dirty="0">
                 <a:latin typeface="Calibri" pitchFamily="34" charset="0"/>
               </a:rPr>
               <a:t> init </a:t>
             </a:r>
             <a:r>
-              <a:rPr lang="ru-RU" dirty="0" smtClean="0">
+              <a:rPr lang="ru-RU" dirty="0">
                 <a:latin typeface="Calibri" pitchFamily="34" charset="0"/>
               </a:rPr>
               <a:t>или </a:t>
             </a:r>
             <a:r>
-              <a:rPr lang="en-US" b="1" dirty="0" err="1" smtClean="0">
+              <a:rPr lang="en-US" b="1" dirty="0" err="1">
                 <a:latin typeface="Calibri" pitchFamily="34" charset="0"/>
               </a:rPr>
               <a:t>npm</a:t>
             </a:r>
             <a:r>
-              <a:rPr lang="en-US" b="1" dirty="0" smtClean="0">
+              <a:rPr lang="en-US" b="1" dirty="0">
                 <a:latin typeface="Calibri" pitchFamily="34" charset="0"/>
               </a:rPr>
               <a:t> init –y </a:t>
             </a:r>
             <a:r>
-              <a:rPr lang="ru-RU" dirty="0" smtClean="0">
+              <a:rPr lang="ru-RU" dirty="0">
                 <a:latin typeface="Calibri" pitchFamily="34" charset="0"/>
               </a:rPr>
               <a:t>для быстрого создания.  </a:t>
@@ -2368,54 +2155,54 @@
           </a:p>
           <a:p>
             <a:r>
-              <a:rPr lang="ru-RU" dirty="0" smtClean="0">
+              <a:rPr lang="ru-RU" dirty="0">
                 <a:latin typeface="Calibri" pitchFamily="34" charset="0"/>
               </a:rPr>
               <a:t>Кроме общей информации о приложении, в файле </a:t>
             </a:r>
             <a:r>
-              <a:rPr lang="en-US" dirty="0" err="1" smtClean="0">
+              <a:rPr lang="en-US" dirty="0" err="1">
                 <a:latin typeface="Calibri" pitchFamily="34" charset="0"/>
               </a:rPr>
               <a:t>package.json</a:t>
             </a:r>
             <a:r>
-              <a:rPr lang="en-US" dirty="0" smtClean="0">
+              <a:rPr lang="en-US" dirty="0">
                 <a:latin typeface="Calibri" pitchFamily="34" charset="0"/>
               </a:rPr>
               <a:t> </a:t>
             </a:r>
             <a:r>
-              <a:rPr lang="ru-RU" dirty="0" smtClean="0">
+              <a:rPr lang="ru-RU" dirty="0">
                 <a:latin typeface="Calibri" pitchFamily="34" charset="0"/>
               </a:rPr>
               <a:t>имеются два поля</a:t>
             </a:r>
             <a:r>
-              <a:rPr lang="en-US" dirty="0" smtClean="0">
+              <a:rPr lang="en-US" dirty="0">
                 <a:latin typeface="Calibri" pitchFamily="34" charset="0"/>
               </a:rPr>
               <a:t>, </a:t>
             </a:r>
             <a:r>
-              <a:rPr lang="ru-RU" dirty="0" smtClean="0">
+              <a:rPr lang="ru-RU" dirty="0">
                 <a:latin typeface="Calibri" pitchFamily="34" charset="0"/>
               </a:rPr>
               <a:t>которые позволяют управлять зависимостями в приложении</a:t>
             </a:r>
             <a:r>
-              <a:rPr lang="en-US" dirty="0" smtClean="0">
+              <a:rPr lang="en-US" dirty="0">
                 <a:latin typeface="Calibri" pitchFamily="34" charset="0"/>
               </a:rPr>
               <a:t>:</a:t>
             </a:r>
-            <a:endParaRPr lang="ru-RU" dirty="0" smtClean="0">
+            <a:endParaRPr lang="ru-RU" dirty="0">
               <a:latin typeface="Calibri" pitchFamily="34" charset="0"/>
             </a:endParaRPr>
           </a:p>
           <a:p>
             <a:r>
-              <a:rPr lang="en-US" dirty="0" smtClean="0">
+              <a:rPr lang="en-US" dirty="0">
                 <a:latin typeface="Calibri" pitchFamily="34" charset="0"/>
               </a:rPr>
               <a:t> </a:t>
@@ -2427,22 +2214,16 @@
               <a:buChar char="•"/>
             </a:pPr>
             <a:r>
-              <a:rPr lang="ru-RU" b="1" dirty="0" smtClean="0">
+              <a:rPr lang="ru-RU" b="1" dirty="0">
                 <a:latin typeface="Calibri" pitchFamily="34" charset="0"/>
               </a:rPr>
               <a:t> dependencies</a:t>
             </a:r>
             <a:r>
-              <a:rPr lang="ru-RU" dirty="0" smtClean="0">
-                <a:latin typeface="Calibri" pitchFamily="34" charset="0"/>
-              </a:rPr>
-              <a:t> </a:t>
-            </a:r>
-            <a:r>
-              <a:rPr lang="ru-RU" dirty="0">
-                <a:latin typeface="Calibri" pitchFamily="34" charset="0"/>
-              </a:rPr>
-              <a:t>– зависимости для </a:t>
+              <a:rPr lang="ru-RU" dirty="0">
+                <a:latin typeface="Calibri" pitchFamily="34" charset="0"/>
+              </a:rPr>
+              <a:t> – зависимости для </a:t>
             </a:r>
             <a:r>
               <a:rPr lang="ru-RU" dirty="0" err="1">
@@ -2454,19 +2235,7 @@
               <a:rPr lang="ru-RU" dirty="0">
                 <a:latin typeface="Calibri" pitchFamily="34" charset="0"/>
               </a:rPr>
-              <a:t> среды (если </a:t>
-            </a:r>
-            <a:r>
-              <a:rPr lang="ru-RU" dirty="0" smtClean="0">
-                <a:latin typeface="Calibri" pitchFamily="34" charset="0"/>
-              </a:rPr>
-              <a:t>будут присутствовать </a:t>
-            </a:r>
-            <a:r>
-              <a:rPr lang="ru-RU" dirty="0">
-                <a:latin typeface="Calibri" pitchFamily="34" charset="0"/>
-              </a:rPr>
-              <a:t>уже установленные в директории </a:t>
+              <a:t> среды (если будут присутствовать уже установленные в директории </a:t>
             </a:r>
             <a:r>
               <a:rPr lang="ru-RU" dirty="0" err="1">
@@ -2478,17 +2247,8 @@
               <a:rPr lang="ru-RU" dirty="0">
                 <a:latin typeface="Calibri" pitchFamily="34" charset="0"/>
               </a:rPr>
-              <a:t> модули, то они автоматически перечисляться тут</a:t>
-            </a:r>
-            <a:r>
-              <a:rPr lang="ru-RU" dirty="0" smtClean="0">
-                <a:latin typeface="Calibri" pitchFamily="34" charset="0"/>
-              </a:rPr>
-              <a:t>)</a:t>
-            </a:r>
-            <a:endParaRPr lang="ru-RU" dirty="0">
-              <a:latin typeface="Calibri" pitchFamily="34" charset="0"/>
-            </a:endParaRPr>
+              <a:t> модули, то они автоматически перечисляться тут)</a:t>
+            </a:r>
           </a:p>
           <a:p>
             <a:pPr>
@@ -2508,22 +2268,16 @@
               <a:t>d</a:t>
             </a:r>
             <a:r>
-              <a:rPr lang="ru-RU" b="1" dirty="0" err="1" smtClean="0">
+              <a:rPr lang="ru-RU" b="1" dirty="0" err="1">
                 <a:latin typeface="Calibri" pitchFamily="34" charset="0"/>
               </a:rPr>
               <a:t>evDependencies</a:t>
             </a:r>
             <a:r>
-              <a:rPr lang="ru-RU" dirty="0" smtClean="0">
-                <a:latin typeface="Calibri" pitchFamily="34" charset="0"/>
-              </a:rPr>
-              <a:t> </a:t>
-            </a:r>
-            <a:r>
-              <a:rPr lang="ru-RU" dirty="0">
-                <a:latin typeface="Calibri" pitchFamily="34" charset="0"/>
-              </a:rPr>
-              <a:t>– зависимости для </a:t>
+              <a:rPr lang="ru-RU" dirty="0">
+                <a:latin typeface="Calibri" pitchFamily="34" charset="0"/>
+              </a:rPr>
+              <a:t> – зависимости для </a:t>
             </a:r>
             <a:r>
               <a:rPr lang="ru-RU" dirty="0" err="1">
@@ -2535,16 +2289,10 @@
               <a:rPr lang="ru-RU" dirty="0">
                 <a:latin typeface="Calibri" pitchFamily="34" charset="0"/>
               </a:rPr>
-              <a:t> </a:t>
-            </a:r>
-            <a:r>
-              <a:rPr lang="ru-RU" dirty="0" smtClean="0">
-                <a:latin typeface="Calibri" pitchFamily="34" charset="0"/>
-              </a:rPr>
-              <a:t>среды</a:t>
-            </a:r>
-            <a:r>
-              <a:rPr lang="en-US" dirty="0" smtClean="0">
+              <a:t> среды</a:t>
+            </a:r>
+            <a:r>
+              <a:rPr lang="en-US" dirty="0">
                 <a:latin typeface="Calibri" pitchFamily="34" charset="0"/>
               </a:rPr>
               <a:t> </a:t>
@@ -2601,11 +2349,11 @@
           <a:lstStyle/>
           <a:p>
             <a:r>
-              <a:rPr lang="ru-RU" dirty="0" smtClean="0"/>
+              <a:rPr lang="ru-RU" dirty="0"/>
               <a:t>Сборщики модулей </a:t>
             </a:r>
             <a:r>
-              <a:rPr lang="en-US" dirty="0" smtClean="0"/>
+              <a:rPr lang="en-US" dirty="0"/>
               <a:t>JavaScript</a:t>
             </a:r>
             <a:endParaRPr lang="uk-UA" dirty="0"/>
@@ -2635,13 +2383,13 @@
           <a:lstStyle/>
           <a:p>
             <a:r>
-              <a:rPr lang="ru-RU" dirty="0" smtClean="0">
+              <a:rPr lang="ru-RU" dirty="0">
                 <a:latin typeface="Calibri" pitchFamily="34" charset="0"/>
               </a:rPr>
               <a:t>Системы организации модулей в </a:t>
             </a:r>
             <a:r>
-              <a:rPr lang="en-US" dirty="0" smtClean="0">
+              <a:rPr lang="en-US" dirty="0">
                 <a:latin typeface="Calibri" pitchFamily="34" charset="0"/>
               </a:rPr>
               <a:t>JS: </a:t>
@@ -2658,7 +2406,7 @@
               <a:buChar char="•"/>
             </a:pPr>
             <a:r>
-              <a:rPr lang="en-US" b="1" dirty="0" smtClean="0">
+              <a:rPr lang="en-US" b="1" dirty="0">
                 <a:latin typeface="Calibri" pitchFamily="34" charset="0"/>
               </a:rPr>
               <a:t> AMD</a:t>
@@ -2689,13 +2437,13 @@
               <a:buChar char="•"/>
             </a:pPr>
             <a:r>
-              <a:rPr lang="en-US" b="1" dirty="0" smtClean="0">
+              <a:rPr lang="en-US" b="1" dirty="0">
                 <a:latin typeface="Calibri" pitchFamily="34" charset="0"/>
               </a:rPr>
               <a:t> </a:t>
             </a:r>
             <a:r>
-              <a:rPr lang="en-US" b="1" dirty="0" err="1" smtClean="0">
+              <a:rPr lang="en-US" b="1" dirty="0" err="1">
                 <a:latin typeface="Calibri" pitchFamily="34" charset="0"/>
               </a:rPr>
               <a:t>CommonJS</a:t>
@@ -2725,22 +2473,16 @@
               <a:buChar char="•"/>
             </a:pPr>
             <a:r>
-              <a:rPr lang="en-US" b="1" dirty="0" smtClean="0">
+              <a:rPr lang="en-US" b="1" dirty="0">
                 <a:latin typeface="Calibri" pitchFamily="34" charset="0"/>
               </a:rPr>
               <a:t> UMD </a:t>
             </a:r>
             <a:r>
-              <a:rPr lang="ru-RU" dirty="0" smtClean="0">
-                <a:latin typeface="Calibri" pitchFamily="34" charset="0"/>
-              </a:rPr>
-              <a:t>– </a:t>
-            </a:r>
-            <a:r>
-              <a:rPr lang="ru-RU" dirty="0">
-                <a:latin typeface="Calibri" pitchFamily="34" charset="0"/>
-              </a:rPr>
-              <a:t>система модулей, которая предложена в качестве универсальной. UMD-модули будут работать и в системе AMD и в </a:t>
+              <a:rPr lang="ru-RU" dirty="0">
+                <a:latin typeface="Calibri" pitchFamily="34" charset="0"/>
+              </a:rPr>
+              <a:t>– система модулей, которая предложена в качестве универсальной. UMD-модули будут работать и в системе AMD и в </a:t>
             </a:r>
             <a:r>
               <a:rPr lang="ru-RU" dirty="0" err="1">
@@ -2749,18 +2491,18 @@
               <a:t>CommonJS</a:t>
             </a:r>
             <a:r>
-              <a:rPr lang="ru-RU" dirty="0" smtClean="0">
+              <a:rPr lang="ru-RU" dirty="0">
                 <a:latin typeface="Calibri" pitchFamily="34" charset="0"/>
               </a:rPr>
               <a:t>.</a:t>
             </a:r>
             <a:r>
-              <a:rPr lang="en-US" dirty="0" smtClean="0">
+              <a:rPr lang="en-US" dirty="0">
                 <a:latin typeface="Calibri" pitchFamily="34" charset="0"/>
               </a:rPr>
               <a:t> </a:t>
             </a:r>
-            <a:endParaRPr lang="ru-RU" dirty="0" smtClean="0">
+            <a:endParaRPr lang="ru-RU" dirty="0">
               <a:latin typeface="Calibri" pitchFamily="34" charset="0"/>
             </a:endParaRPr>
           </a:p>
@@ -2770,26 +2512,23 @@
               <a:buChar char="•"/>
             </a:pPr>
             <a:r>
-              <a:rPr lang="en-US" b="1" dirty="0" smtClean="0">
+              <a:rPr lang="en-US" b="1" dirty="0">
                 <a:latin typeface="Calibri" pitchFamily="34" charset="0"/>
               </a:rPr>
               <a:t> ES6-</a:t>
             </a:r>
             <a:r>
-              <a:rPr lang="ru-RU" b="1" dirty="0" smtClean="0">
+              <a:rPr lang="ru-RU" b="1" dirty="0">
                 <a:latin typeface="Calibri" pitchFamily="34" charset="0"/>
               </a:rPr>
               <a:t>модули</a:t>
             </a:r>
             <a:r>
-              <a:rPr lang="ru-RU" dirty="0" smtClean="0">
+              <a:rPr lang="ru-RU" dirty="0">
                 <a:latin typeface="Calibri" pitchFamily="34" charset="0"/>
               </a:rPr>
               <a:t>. </a:t>
             </a:r>
-            <a:endParaRPr lang="ru-RU" dirty="0">
-              <a:latin typeface="Calibri" pitchFamily="34" charset="0"/>
-            </a:endParaRPr>
           </a:p>
           <a:p>
             <a:endParaRPr lang="uk-UA" dirty="0"/>
@@ -2819,15 +2558,15 @@
           <a:lstStyle/>
           <a:p>
             <a:r>
-              <a:rPr lang="ru-RU" dirty="0" smtClean="0"/>
+              <a:rPr lang="ru-RU" dirty="0"/>
               <a:t>Сборщик модулей – утилита, позволяющая</a:t>
             </a:r>
             <a:r>
-              <a:rPr lang="en-US" dirty="0" smtClean="0"/>
+              <a:rPr lang="en-US" dirty="0"/>
               <a:t> </a:t>
             </a:r>
             <a:r>
-              <a:rPr lang="ru-RU" dirty="0" smtClean="0"/>
+              <a:rPr lang="ru-RU" dirty="0"/>
               <a:t>генерировать статические файлы из модулей с зависимостями. Упрощает работу с системами организации модулей. </a:t>
             </a:r>
             <a:endParaRPr lang="uk-UA" dirty="0"/>
@@ -2875,7 +2614,7 @@
           <a:lstStyle/>
           <a:p>
             <a:r>
-              <a:rPr lang="en-US" dirty="0" err="1" smtClean="0"/>
+              <a:rPr lang="en-US" dirty="0" err="1"/>
               <a:t>Webpack</a:t>
             </a:r>
             <a:endParaRPr lang="uk-UA" dirty="0"/>
@@ -2937,13 +2676,13 @@
           <a:lstStyle/>
           <a:p>
             <a:r>
-              <a:rPr lang="ru-RU" dirty="0" smtClean="0">
+              <a:rPr lang="ru-RU" dirty="0">
                 <a:latin typeface="Calibri" pitchFamily="34" charset="0"/>
               </a:rPr>
               <a:t>(сборщик модулей</a:t>
             </a:r>
             <a:r>
-              <a:rPr lang="ru-RU" dirty="0" smtClean="0"/>
+              <a:rPr lang="ru-RU" dirty="0"/>
               <a:t>)</a:t>
             </a:r>
             <a:endParaRPr lang="uk-UA" dirty="0"/>
@@ -2991,7 +2730,7 @@
           <a:lstStyle/>
           <a:p>
             <a:r>
-              <a:rPr lang="en-US" dirty="0" err="1" smtClean="0"/>
+              <a:rPr lang="en-US" dirty="0" err="1"/>
               <a:t>Webpack</a:t>
             </a:r>
             <a:endParaRPr lang="uk-UA" dirty="0"/>
@@ -3021,19 +2760,19 @@
           <a:lstStyle/>
           <a:p>
             <a:r>
-              <a:rPr lang="ru-RU" sz="2000" dirty="0" smtClean="0">
+              <a:rPr lang="ru-RU" sz="2000" dirty="0">
                 <a:latin typeface="Calibri" pitchFamily="34" charset="0"/>
               </a:rPr>
               <a:t>Пример конфигурационного файла </a:t>
             </a:r>
             <a:r>
-              <a:rPr lang="en-US" sz="2000" dirty="0" err="1" smtClean="0">
+              <a:rPr lang="en-US" sz="2000" dirty="0" err="1">
                 <a:latin typeface="Calibri" pitchFamily="34" charset="0"/>
               </a:rPr>
               <a:t>webpack.config.js</a:t>
             </a:r>
             <a:r>
-              <a:rPr lang="en-US" sz="2000" dirty="0" smtClean="0">
+              <a:rPr lang="en-US" sz="2000" dirty="0">
                 <a:latin typeface="Calibri" pitchFamily="34" charset="0"/>
               </a:rPr>
               <a:t>: </a:t>
@@ -3080,183 +2819,158 @@
           <a:lstStyle/>
           <a:p>
             <a:r>
-              <a:rPr lang="en-US" dirty="0" smtClean="0"/>
+              <a:rPr lang="en-US" dirty="0">
+                <a:latin typeface="Calibri" panose="020F0502020204030204" pitchFamily="34" charset="0"/>
+              </a:rPr>
               <a:t>{</a:t>
             </a:r>
           </a:p>
           <a:p>
             <a:r>
-              <a:rPr lang="en-US" dirty="0" smtClean="0"/>
+              <a:rPr lang="en-US" dirty="0">
+                <a:latin typeface="Calibri" panose="020F0502020204030204" pitchFamily="34" charset="0"/>
+              </a:rPr>
               <a:t> context: __</a:t>
             </a:r>
             <a:r>
-              <a:rPr lang="en-US" dirty="0" err="1" smtClean="0"/>
+              <a:rPr lang="en-US" dirty="0" err="1">
+                <a:latin typeface="Calibri" panose="020F0502020204030204" pitchFamily="34" charset="0"/>
+              </a:rPr>
               <a:t>dirname</a:t>
             </a:r>
             <a:r>
-              <a:rPr lang="en-US" dirty="0" smtClean="0"/>
-              <a:t> + </a:t>
-            </a:r>
-            <a:r>
-              <a:rPr lang="en-US" dirty="0"/>
-              <a:t>"/app"</a:t>
-            </a:r>
-            <a:r>
-              <a:rPr lang="en-US" dirty="0" smtClean="0"/>
-              <a:t>, </a:t>
-            </a:r>
-          </a:p>
-          <a:p>
-            <a:r>
-              <a:rPr lang="en-US" dirty="0"/>
-              <a:t> </a:t>
-            </a:r>
-            <a:r>
-              <a:rPr lang="en-US" dirty="0" smtClean="0"/>
-              <a:t>entry: </a:t>
-            </a:r>
-            <a:r>
-              <a:rPr lang="en-US" dirty="0"/>
-              <a:t>"./entry"</a:t>
-            </a:r>
-            <a:r>
-              <a:rPr lang="en-US" dirty="0" smtClean="0"/>
-              <a:t>, </a:t>
-            </a:r>
-          </a:p>
-          <a:p>
-            <a:r>
-              <a:rPr lang="en-US" dirty="0"/>
-              <a:t> </a:t>
-            </a:r>
-            <a:r>
-              <a:rPr lang="en-US" dirty="0" smtClean="0"/>
-              <a:t>output: { </a:t>
-            </a:r>
-          </a:p>
-          <a:p>
-            <a:r>
-              <a:rPr lang="en-US" dirty="0"/>
-              <a:t> </a:t>
-            </a:r>
-            <a:r>
-              <a:rPr lang="en-US" dirty="0" smtClean="0"/>
-              <a:t>     path: __</a:t>
-            </a:r>
-            <a:r>
-              <a:rPr lang="en-US" dirty="0" err="1" smtClean="0"/>
+              <a:rPr lang="en-US" dirty="0">
+                <a:latin typeface="Calibri" panose="020F0502020204030204" pitchFamily="34" charset="0"/>
+              </a:rPr>
+              <a:t> + "/app", </a:t>
+            </a:r>
+          </a:p>
+          <a:p>
+            <a:r>
+              <a:rPr lang="en-US" dirty="0">
+                <a:latin typeface="Calibri" panose="020F0502020204030204" pitchFamily="34" charset="0"/>
+              </a:rPr>
+              <a:t> entry: "./entry", </a:t>
+            </a:r>
+          </a:p>
+          <a:p>
+            <a:r>
+              <a:rPr lang="en-US" dirty="0">
+                <a:latin typeface="Calibri" panose="020F0502020204030204" pitchFamily="34" charset="0"/>
+              </a:rPr>
+              <a:t> output: { </a:t>
+            </a:r>
+          </a:p>
+          <a:p>
+            <a:r>
+              <a:rPr lang="en-US" dirty="0">
+                <a:latin typeface="Calibri" panose="020F0502020204030204" pitchFamily="34" charset="0"/>
+              </a:rPr>
+              <a:t>      path: __</a:t>
+            </a:r>
+            <a:r>
+              <a:rPr lang="en-US" dirty="0" err="1">
+                <a:latin typeface="Calibri" panose="020F0502020204030204" pitchFamily="34" charset="0"/>
+              </a:rPr>
               <a:t>dirname</a:t>
             </a:r>
             <a:r>
-              <a:rPr lang="en-US" dirty="0" smtClean="0"/>
-              <a:t> + </a:t>
-            </a:r>
-            <a:r>
-              <a:rPr lang="en-US" dirty="0"/>
-              <a:t>"/dist"</a:t>
-            </a:r>
-            <a:r>
-              <a:rPr lang="en-US" dirty="0" smtClean="0"/>
-              <a:t>, </a:t>
-            </a:r>
-          </a:p>
-          <a:p>
-            <a:r>
-              <a:rPr lang="en-US" dirty="0"/>
-              <a:t> </a:t>
-            </a:r>
-            <a:r>
-              <a:rPr lang="en-US" dirty="0" smtClean="0"/>
-              <a:t>     filename: </a:t>
-            </a:r>
-            <a:r>
-              <a:rPr lang="en-US" dirty="0"/>
-              <a:t>"bundle.js"</a:t>
-            </a:r>
-            <a:r>
-              <a:rPr lang="en-US" dirty="0" smtClean="0"/>
-              <a:t> </a:t>
-            </a:r>
-          </a:p>
-          <a:p>
-            <a:r>
-              <a:rPr lang="en-US" dirty="0"/>
-              <a:t> </a:t>
-            </a:r>
-            <a:r>
-              <a:rPr lang="en-US" dirty="0" smtClean="0"/>
-              <a:t>    }, </a:t>
-            </a:r>
-          </a:p>
-          <a:p>
-            <a:r>
-              <a:rPr lang="en-US" dirty="0"/>
-              <a:t>m</a:t>
-            </a:r>
-            <a:r>
-              <a:rPr lang="en-US" dirty="0" smtClean="0"/>
-              <a:t>odule: {</a:t>
-            </a:r>
-          </a:p>
-          <a:p>
-            <a:r>
-              <a:rPr lang="en-US" dirty="0"/>
-              <a:t> </a:t>
-            </a:r>
-            <a:r>
-              <a:rPr lang="en-US" dirty="0" smtClean="0"/>
-              <a:t>         loaders: [</a:t>
-            </a:r>
-          </a:p>
-          <a:p>
-            <a:r>
-              <a:rPr lang="en-US" dirty="0" smtClean="0"/>
+              <a:rPr lang="en-US" dirty="0">
+                <a:latin typeface="Calibri" panose="020F0502020204030204" pitchFamily="34" charset="0"/>
+              </a:rPr>
+              <a:t> + "/dist", </a:t>
+            </a:r>
+          </a:p>
+          <a:p>
+            <a:r>
+              <a:rPr lang="en-US" dirty="0">
+                <a:latin typeface="Calibri" panose="020F0502020204030204" pitchFamily="34" charset="0"/>
+              </a:rPr>
+              <a:t>      filename: "bundle.js" </a:t>
+            </a:r>
+          </a:p>
+          <a:p>
+            <a:r>
+              <a:rPr lang="en-US" dirty="0">
+                <a:latin typeface="Calibri" panose="020F0502020204030204" pitchFamily="34" charset="0"/>
+              </a:rPr>
+              <a:t>     }, </a:t>
+            </a:r>
+          </a:p>
+          <a:p>
+            <a:r>
+              <a:rPr lang="en-US" dirty="0">
+                <a:latin typeface="Calibri" panose="020F0502020204030204" pitchFamily="34" charset="0"/>
+              </a:rPr>
+              <a:t>module: {</a:t>
+            </a:r>
+          </a:p>
+          <a:p>
+            <a:r>
+              <a:rPr lang="en-US" dirty="0">
+                <a:latin typeface="Calibri" panose="020F0502020204030204" pitchFamily="34" charset="0"/>
+              </a:rPr>
+              <a:t>          loaders: [</a:t>
+            </a:r>
+          </a:p>
+          <a:p>
+            <a:r>
+              <a:rPr lang="en-US" dirty="0">
+                <a:latin typeface="Calibri" panose="020F0502020204030204" pitchFamily="34" charset="0"/>
+              </a:rPr>
               <a:t>               { test: /\.</a:t>
             </a:r>
             <a:r>
-              <a:rPr lang="en-US" dirty="0" err="1" smtClean="0"/>
+              <a:rPr lang="en-US" dirty="0" err="1">
+                <a:latin typeface="Calibri" panose="020F0502020204030204" pitchFamily="34" charset="0"/>
+              </a:rPr>
               <a:t>css</a:t>
             </a:r>
             <a:r>
-              <a:rPr lang="en-US" dirty="0" smtClean="0"/>
+              <a:rPr lang="en-US" dirty="0">
+                <a:latin typeface="Calibri" panose="020F0502020204030204" pitchFamily="34" charset="0"/>
+              </a:rPr>
               <a:t>$/, loader: “</a:t>
             </a:r>
             <a:r>
-              <a:rPr lang="en-US" dirty="0" err="1" smtClean="0"/>
+              <a:rPr lang="en-US" dirty="0" err="1">
+                <a:latin typeface="Calibri" panose="020F0502020204030204" pitchFamily="34" charset="0"/>
+              </a:rPr>
               <a:t>css</a:t>
             </a:r>
             <a:r>
-              <a:rPr lang="en-US" dirty="0" smtClean="0"/>
-              <a:t>-loader</a:t>
-            </a:r>
-            <a:r>
-              <a:rPr lang="en-US" dirty="0"/>
-              <a:t>"</a:t>
-            </a:r>
-            <a:r>
-              <a:rPr lang="en-US" dirty="0" smtClean="0"/>
-              <a:t> }</a:t>
-            </a:r>
-          </a:p>
-          <a:p>
-            <a:r>
-              <a:rPr lang="en-US" dirty="0" smtClean="0"/>
+              <a:rPr lang="en-US" dirty="0">
+                <a:latin typeface="Calibri" panose="020F0502020204030204" pitchFamily="34" charset="0"/>
+              </a:rPr>
+              <a:t>-loader" }</a:t>
+            </a:r>
+          </a:p>
+          <a:p>
+            <a:r>
+              <a:rPr lang="en-US" dirty="0">
+                <a:latin typeface="Calibri" panose="020F0502020204030204" pitchFamily="34" charset="0"/>
+              </a:rPr>
               <a:t>         ]</a:t>
             </a:r>
-            <a:endParaRPr lang="en-US" dirty="0"/>
-          </a:p>
-          <a:p>
-            <a:r>
-              <a:rPr lang="en-US" dirty="0" smtClean="0"/>
+          </a:p>
+          <a:p>
+            <a:r>
+              <a:rPr lang="en-US" dirty="0">
+                <a:latin typeface="Calibri" panose="020F0502020204030204" pitchFamily="34" charset="0"/>
+              </a:rPr>
               <a:t>     } </a:t>
             </a:r>
           </a:p>
           <a:p>
             <a:r>
-              <a:rPr lang="en-US" dirty="0" smtClean="0"/>
+              <a:rPr lang="en-US" dirty="0">
+                <a:latin typeface="Calibri" panose="020F0502020204030204" pitchFamily="34" charset="0"/>
+              </a:rPr>
               <a:t>}</a:t>
             </a:r>
-            <a:endParaRPr lang="uk-UA" dirty="0"/>
+            <a:endParaRPr lang="uk-UA" dirty="0">
+              <a:latin typeface="Calibri" panose="020F0502020204030204" pitchFamily="34" charset="0"/>
+            </a:endParaRPr>
           </a:p>
         </p:txBody>
       </p:sp>
@@ -3301,7 +3015,7 @@
           <a:lstStyle/>
           <a:p>
             <a:r>
-              <a:rPr lang="en-US" dirty="0" err="1" smtClean="0"/>
+              <a:rPr lang="en-US" dirty="0" err="1"/>
               <a:t>Browserify</a:t>
             </a:r>
             <a:endParaRPr lang="uk-UA" dirty="0"/>
@@ -3417,34 +3131,16 @@
               <a:t> </a:t>
             </a:r>
             <a:r>
-              <a:rPr lang="ru-RU" dirty="0" err="1" smtClean="0">
+              <a:rPr lang="ru-RU" dirty="0" err="1">
                 <a:latin typeface="Calibri" pitchFamily="34" charset="0"/>
               </a:rPr>
               <a:t>шимы</a:t>
             </a:r>
             <a:r>
-              <a:rPr lang="ru-RU" dirty="0" smtClean="0">
-                <a:latin typeface="Calibri" pitchFamily="34" charset="0"/>
-              </a:rPr>
-              <a:t> для</a:t>
-            </a:r>
-            <a:r>
-              <a:rPr lang="ru-RU" dirty="0">
-                <a:latin typeface="Calibri" pitchFamily="34" charset="0"/>
-              </a:rPr>
-              <a:t> большей части </a:t>
-            </a:r>
-            <a:r>
-              <a:rPr lang="ru-RU" dirty="0" smtClean="0">
-                <a:latin typeface="Calibri" pitchFamily="34" charset="0"/>
-              </a:rPr>
-              <a:t>функциональности</a:t>
-            </a:r>
-            <a:r>
-              <a:rPr lang="ru-RU" dirty="0">
-                <a:latin typeface="Calibri" pitchFamily="34" charset="0"/>
-              </a:rPr>
-              <a:t> ядра </a:t>
+              <a:rPr lang="ru-RU" dirty="0">
+                <a:latin typeface="Calibri" pitchFamily="34" charset="0"/>
+              </a:rPr>
+              <a:t> для большей части функциональности ядра </a:t>
             </a:r>
             <a:r>
               <a:rPr lang="ru-RU" dirty="0" err="1">
@@ -3453,7 +3149,7 @@
               <a:t>Node</a:t>
             </a:r>
             <a:r>
-              <a:rPr lang="ru-RU" dirty="0" smtClean="0">
+              <a:rPr lang="ru-RU" dirty="0">
                 <a:latin typeface="Calibri" pitchFamily="34" charset="0"/>
               </a:rPr>
               <a:t>. </a:t>
@@ -3489,13 +3185,7 @@
               <a:rPr lang="ru-RU" dirty="0">
                 <a:latin typeface="Calibri" pitchFamily="34" charset="0"/>
               </a:rPr>
-              <a:t>“Трансформировать” может означать многое. Это может быть </a:t>
-            </a:r>
-            <a:r>
-              <a:rPr lang="ru-RU" dirty="0" smtClean="0">
-                <a:latin typeface="Calibri" pitchFamily="34" charset="0"/>
-              </a:rPr>
-              <a:t>компиляция </a:t>
+              <a:t>“Трансформировать” может означать многое. Это может быть компиляция </a:t>
             </a:r>
             <a:r>
               <a:rPr lang="ru-RU" dirty="0" err="1">
@@ -3534,13 +3224,13 @@
               <a:t> ES2015 в ванильный </a:t>
             </a:r>
             <a:r>
-              <a:rPr lang="ru-RU" dirty="0" err="1" smtClean="0">
+              <a:rPr lang="ru-RU" dirty="0" err="1">
                 <a:latin typeface="Calibri" pitchFamily="34" charset="0"/>
               </a:rPr>
               <a:t>Javascript</a:t>
             </a:r>
             <a:r>
-              <a:rPr lang="ru-RU" dirty="0" smtClean="0">
+              <a:rPr lang="ru-RU" dirty="0">
                 <a:latin typeface="Calibri" pitchFamily="34" charset="0"/>
               </a:rPr>
               <a:t>. </a:t>

--- a/ReactJS/lesson_23/Presentation/module_bundlers.pptx
+++ b/ReactJS/lesson_23/Presentation/module_bundlers.pptx
@@ -1907,7 +1907,7 @@
         </p:blipFill>
         <p:spPr bwMode="auto">
           <a:xfrm>
-            <a:off x="976312" y="1556792"/>
+            <a:off x="976312" y="1484784"/>
             <a:ext cx="3613398" cy="1005729"/>
           </a:xfrm>
           <a:prstGeom prst="rect">
@@ -2109,43 +2109,7 @@
               <a:rPr lang="ru-RU" dirty="0">
                 <a:latin typeface="Calibri" pitchFamily="34" charset="0"/>
               </a:rPr>
-              <a:t>в котором это все и будет описано. Он создается с помощью команды </a:t>
-            </a:r>
-            <a:r>
-              <a:rPr lang="en-US" b="1" dirty="0" err="1">
-                <a:latin typeface="Calibri" pitchFamily="34" charset="0"/>
-              </a:rPr>
-              <a:t>npm</a:t>
-            </a:r>
-            <a:r>
-              <a:rPr lang="en-US" b="1" dirty="0">
-                <a:latin typeface="Calibri" pitchFamily="34" charset="0"/>
-              </a:rPr>
-              <a:t> init </a:t>
-            </a:r>
-            <a:r>
-              <a:rPr lang="ru-RU" dirty="0">
-                <a:latin typeface="Calibri" pitchFamily="34" charset="0"/>
-              </a:rPr>
-              <a:t>или </a:t>
-            </a:r>
-            <a:r>
-              <a:rPr lang="en-US" b="1" dirty="0" err="1">
-                <a:latin typeface="Calibri" pitchFamily="34" charset="0"/>
-              </a:rPr>
-              <a:t>npm</a:t>
-            </a:r>
-            <a:r>
-              <a:rPr lang="en-US" b="1" dirty="0">
-                <a:latin typeface="Calibri" pitchFamily="34" charset="0"/>
-              </a:rPr>
-              <a:t> init –y </a:t>
-            </a:r>
-            <a:r>
-              <a:rPr lang="ru-RU" dirty="0">
-                <a:latin typeface="Calibri" pitchFamily="34" charset="0"/>
-              </a:rPr>
-              <a:t>для быстрого создания.  </a:t>
+              <a:t>в котором это все и будет описано. </a:t>
             </a:r>
           </a:p>
           <a:p>
@@ -2249,6 +2213,11 @@
               </a:rPr>
               <a:t> модули, то они автоматически перечисляться тут)</a:t>
             </a:r>
+          </a:p>
+          <a:p>
+            <a:endParaRPr lang="ru-RU" dirty="0">
+              <a:latin typeface="Calibri" pitchFamily="34" charset="0"/>
+            </a:endParaRPr>
           </a:p>
           <a:p>
             <a:pPr>
@@ -2558,18 +2527,26 @@
           <a:lstStyle/>
           <a:p>
             <a:r>
-              <a:rPr lang="ru-RU" dirty="0"/>
+              <a:rPr lang="ru-RU" dirty="0">
+                <a:latin typeface="Calibri" panose="020F0502020204030204" pitchFamily="34" charset="0"/>
+              </a:rPr>
               <a:t>Сборщик модулей – утилита, позволяющая</a:t>
             </a:r>
             <a:r>
-              <a:rPr lang="en-US" dirty="0"/>
+              <a:rPr lang="en-US" dirty="0">
+                <a:latin typeface="Calibri" panose="020F0502020204030204" pitchFamily="34" charset="0"/>
+              </a:rPr>
               <a:t> </a:t>
             </a:r>
             <a:r>
-              <a:rPr lang="ru-RU" dirty="0"/>
+              <a:rPr lang="ru-RU" dirty="0">
+                <a:latin typeface="Calibri" panose="020F0502020204030204" pitchFamily="34" charset="0"/>
+              </a:rPr>
               <a:t>генерировать статические файлы из модулей с зависимостями. Упрощает работу с системами организации модулей. </a:t>
             </a:r>
-            <a:endParaRPr lang="uk-UA" dirty="0"/>
+            <a:endParaRPr lang="uk-UA" dirty="0">
+              <a:latin typeface="Calibri" panose="020F0502020204030204" pitchFamily="34" charset="0"/>
+            </a:endParaRPr>
           </a:p>
         </p:txBody>
       </p:sp>
@@ -2918,31 +2895,7 @@
               <a:rPr lang="en-US" dirty="0">
                 <a:latin typeface="Calibri" panose="020F0502020204030204" pitchFamily="34" charset="0"/>
               </a:rPr>
-              <a:t>               { test: /\.</a:t>
-            </a:r>
-            <a:r>
-              <a:rPr lang="en-US" dirty="0" err="1">
-                <a:latin typeface="Calibri" panose="020F0502020204030204" pitchFamily="34" charset="0"/>
-              </a:rPr>
-              <a:t>css</a:t>
-            </a:r>
-            <a:r>
-              <a:rPr lang="en-US" dirty="0">
-                <a:latin typeface="Calibri" panose="020F0502020204030204" pitchFamily="34" charset="0"/>
-              </a:rPr>
-              <a:t>$/, loader: “</a:t>
-            </a:r>
-            <a:r>
-              <a:rPr lang="en-US" dirty="0" err="1">
-                <a:latin typeface="Calibri" panose="020F0502020204030204" pitchFamily="34" charset="0"/>
-              </a:rPr>
-              <a:t>css</a:t>
-            </a:r>
-            <a:r>
-              <a:rPr lang="en-US" dirty="0">
-                <a:latin typeface="Calibri" panose="020F0502020204030204" pitchFamily="34" charset="0"/>
-              </a:rPr>
-              <a:t>-loader" }</a:t>
+              <a:t>               {loader: “babel-loader" }</a:t>
             </a:r>
           </a:p>
           <a:p>
@@ -3057,7 +3010,7 @@
         <p:spPr>
           <a:xfrm>
             <a:off x="899592" y="2276872"/>
-            <a:ext cx="7272808" cy="3416320"/>
+            <a:ext cx="7272808" cy="3139321"/>
           </a:xfrm>
           <a:prstGeom prst="rect">
             <a:avLst/>
@@ -3162,12 +3115,6 @@
           </a:p>
           <a:p>
             <a:r>
-              <a:rPr lang="ru-RU" dirty="0">
-                <a:latin typeface="Calibri" pitchFamily="34" charset="0"/>
-              </a:rPr>
-              <a:t>Возможности </a:t>
-            </a:r>
-            <a:r>
               <a:rPr lang="ru-RU" dirty="0" err="1">
                 <a:latin typeface="Calibri" pitchFamily="34" charset="0"/>
               </a:rPr>
@@ -3177,7 +3124,7 @@
               <a:rPr lang="ru-RU" dirty="0">
                 <a:latin typeface="Calibri" pitchFamily="34" charset="0"/>
               </a:rPr>
-              <a:t> не ограничиваются конкатенацией кода зависимостей. Он также может трансформировать код.</a:t>
+              <a:t> также может трансформировать код.</a:t>
             </a:r>
           </a:p>
           <a:p>
